--- a/promotion_ads_Presentation.pptx
+++ b/promotion_ads_Presentation.pptx
@@ -4144,7 +4144,7 @@
             <a:fld id="{B61BEF0D-F0BB-DE4B-95CE-6DB70DBA9567}" type="datetimeFigureOut">
               <a:rPr lang="en-US" smtClean="0"/>
               <a:pPr/>
-              <a:t>8/4/2020</a:t>
+              <a:t>8/5/2020</a:t>
             </a:fld>
             <a:endParaRPr lang="en-US" dirty="0"/>
           </a:p>
@@ -4406,7 +4406,7 @@
             <a:fld id="{B61BEF0D-F0BB-DE4B-95CE-6DB70DBA9567}" type="datetimeFigureOut">
               <a:rPr lang="en-US" smtClean="0"/>
               <a:pPr/>
-              <a:t>8/4/2020</a:t>
+              <a:t>8/5/2020</a:t>
             </a:fld>
             <a:endParaRPr lang="en-US" dirty="0"/>
           </a:p>
@@ -4731,7 +4731,7 @@
             <a:fld id="{B61BEF0D-F0BB-DE4B-95CE-6DB70DBA9567}" type="datetimeFigureOut">
               <a:rPr lang="en-US" smtClean="0"/>
               <a:pPr/>
-              <a:t>8/4/2020</a:t>
+              <a:t>8/5/2020</a:t>
             </a:fld>
             <a:endParaRPr lang="en-US" dirty="0"/>
           </a:p>
@@ -5083,7 +5083,7 @@
             <a:fld id="{B61BEF0D-F0BB-DE4B-95CE-6DB70DBA9567}" type="datetimeFigureOut">
               <a:rPr lang="en-US" smtClean="0"/>
               <a:pPr/>
-              <a:t>8/4/2020</a:t>
+              <a:t>8/5/2020</a:t>
             </a:fld>
             <a:endParaRPr lang="en-US" dirty="0"/>
           </a:p>
@@ -5408,7 +5408,7 @@
             <a:fld id="{B61BEF0D-F0BB-DE4B-95CE-6DB70DBA9567}" type="datetimeFigureOut">
               <a:rPr lang="en-US" smtClean="0"/>
               <a:pPr/>
-              <a:t>8/4/2020</a:t>
+              <a:t>8/5/2020</a:t>
             </a:fld>
             <a:endParaRPr lang="en-US" dirty="0"/>
           </a:p>
@@ -5812,7 +5812,7 @@
             <a:fld id="{B61BEF0D-F0BB-DE4B-95CE-6DB70DBA9567}" type="datetimeFigureOut">
               <a:rPr lang="en-US" smtClean="0"/>
               <a:pPr/>
-              <a:t>8/4/2020</a:t>
+              <a:t>8/5/2020</a:t>
             </a:fld>
             <a:endParaRPr lang="en-US" dirty="0"/>
           </a:p>
@@ -5992,7 +5992,7 @@
           <a:p>
             <a:fld id="{55C6B4A9-1611-4792-9094-5F34BCA07E0B}" type="datetimeFigureOut">
               <a:rPr lang="en-US" smtClean="0"/>
-              <a:t>8/4/2020</a:t>
+              <a:t>8/5/2020</a:t>
             </a:fld>
             <a:endParaRPr lang="en-US" dirty="0"/>
           </a:p>
@@ -6183,7 +6183,7 @@
             <a:fld id="{B61BEF0D-F0BB-DE4B-95CE-6DB70DBA9567}" type="datetimeFigureOut">
               <a:rPr lang="en-US" smtClean="0"/>
               <a:pPr/>
-              <a:t>8/4/2020</a:t>
+              <a:t>8/5/2020</a:t>
             </a:fld>
             <a:endParaRPr lang="en-US" dirty="0"/>
           </a:p>
@@ -7658,7 +7658,7 @@
             <a:fld id="{B61BEF0D-F0BB-DE4B-95CE-6DB70DBA9567}" type="datetimeFigureOut">
               <a:rPr lang="en-US" smtClean="0"/>
               <a:pPr/>
-              <a:t>8/4/2020</a:t>
+              <a:t>8/5/2020</a:t>
             </a:fld>
             <a:endParaRPr lang="en-US" dirty="0"/>
           </a:p>
@@ -7916,7 +7916,7 @@
             <a:fld id="{B61BEF0D-F0BB-DE4B-95CE-6DB70DBA9567}" type="datetimeFigureOut">
               <a:rPr lang="en-US" smtClean="0"/>
               <a:pPr/>
-              <a:t>8/4/2020</a:t>
+              <a:t>8/5/2020</a:t>
             </a:fld>
             <a:endParaRPr lang="en-US" dirty="0"/>
           </a:p>
@@ -8158,7 +8158,7 @@
           <a:p>
             <a:fld id="{EB712588-04B1-427B-82EE-E8DB90309F08}" type="datetimeFigureOut">
               <a:rPr lang="en-US" smtClean="0"/>
-              <a:t>8/4/2020</a:t>
+              <a:t>8/5/2020</a:t>
             </a:fld>
             <a:endParaRPr lang="en-US" dirty="0"/>
           </a:p>
@@ -8543,7 +8543,7 @@
             <a:fld id="{B61BEF0D-F0BB-DE4B-95CE-6DB70DBA9567}" type="datetimeFigureOut">
               <a:rPr lang="en-US" smtClean="0"/>
               <a:pPr/>
-              <a:t>8/4/2020</a:t>
+              <a:t>8/5/2020</a:t>
             </a:fld>
             <a:endParaRPr lang="en-US" dirty="0"/>
           </a:p>
@@ -8677,7 +8677,7 @@
             <a:fld id="{B61BEF0D-F0BB-DE4B-95CE-6DB70DBA9567}" type="datetimeFigureOut">
               <a:rPr lang="en-US" smtClean="0"/>
               <a:pPr/>
-              <a:t>8/4/2020</a:t>
+              <a:t>8/5/2020</a:t>
             </a:fld>
             <a:endParaRPr lang="en-US" dirty="0"/>
           </a:p>
@@ -8783,7 +8783,7 @@
             <a:fld id="{B61BEF0D-F0BB-DE4B-95CE-6DB70DBA9567}" type="datetimeFigureOut">
               <a:rPr lang="en-US" smtClean="0"/>
               <a:pPr/>
-              <a:t>8/4/2020</a:t>
+              <a:t>8/5/2020</a:t>
             </a:fld>
             <a:endParaRPr lang="en-US" dirty="0"/>
           </a:p>
@@ -9047,7 +9047,7 @@
           <a:p>
             <a:fld id="{42A54C80-263E-416B-A8E0-580EDEADCBDC}" type="datetimeFigureOut">
               <a:rPr lang="en-US" smtClean="0"/>
-              <a:t>8/4/2020</a:t>
+              <a:t>8/5/2020</a:t>
             </a:fld>
             <a:endParaRPr lang="en-US" dirty="0"/>
           </a:p>
@@ -9321,7 +9321,7 @@
             <a:fld id="{B61BEF0D-F0BB-DE4B-95CE-6DB70DBA9567}" type="datetimeFigureOut">
               <a:rPr lang="en-US" smtClean="0"/>
               <a:pPr/>
-              <a:t>8/4/2020</a:t>
+              <a:t>8/5/2020</a:t>
             </a:fld>
             <a:endParaRPr lang="en-US" dirty="0"/>
           </a:p>
@@ -10075,7 +10075,7 @@
             <a:fld id="{B61BEF0D-F0BB-DE4B-95CE-6DB70DBA9567}" type="datetimeFigureOut">
               <a:rPr lang="en-US" smtClean="0"/>
               <a:pPr/>
-              <a:t>8/4/2020</a:t>
+              <a:t>8/5/2020</a:t>
             </a:fld>
             <a:endParaRPr lang="en-US" dirty="0"/>
           </a:p>
@@ -10945,7 +10945,7 @@
           <a:p>
             <a:pPr algn="ctr"/>
             <a:r>
-              <a:rPr lang="en-US" sz="3200" dirty="0" smtClean="0">
+              <a:rPr lang="en-US" sz="3200" dirty="0">
                 <a:solidFill>
                   <a:schemeClr val="accent2">
                     <a:lumMod val="75000"/>
@@ -10954,13 +10954,6 @@
               </a:rPr>
               <a:t>Website Project</a:t>
             </a:r>
-            <a:endParaRPr lang="en-US" sz="3200" dirty="0">
-              <a:solidFill>
-                <a:schemeClr val="accent2">
-                  <a:lumMod val="75000"/>
-                </a:schemeClr>
-              </a:solidFill>
-            </a:endParaRPr>
           </a:p>
           <a:p>
             <a:pPr algn="ctr"/>
@@ -10972,27 +10965,7 @@
                   </a:schemeClr>
                 </a:solidFill>
               </a:rPr>
-              <a:t> </a:t>
-            </a:r>
-            <a:r>
-              <a:rPr lang="en-US" sz="3200" dirty="0" smtClean="0">
-                <a:solidFill>
-                  <a:schemeClr val="accent2">
-                    <a:lumMod val="75000"/>
-                  </a:schemeClr>
-                </a:solidFill>
-              </a:rPr>
-              <a:t>Topic: Promotion </a:t>
-            </a:r>
-            <a:r>
-              <a:rPr lang="en-US" sz="3200" dirty="0">
-                <a:solidFill>
-                  <a:schemeClr val="accent2">
-                    <a:lumMod val="75000"/>
-                  </a:schemeClr>
-                </a:solidFill>
-              </a:rPr>
-              <a:t>Ads</a:t>
+              <a:t> Topic: Promotion Ads</a:t>
             </a:r>
           </a:p>
         </p:txBody>
@@ -11056,16 +11029,7 @@
                 <a:ea typeface="DengXian"/>
                 <a:cs typeface="DaunPenh" panose="01010101010101010101" pitchFamily="2" charset="0"/>
               </a:rPr>
-              <a:t>By </a:t>
-            </a:r>
-            <a:r>
-              <a:rPr lang="en-US" sz="1400" b="1" dirty="0" smtClean="0">
-                <a:effectLst/>
-                <a:latin typeface="Footlight MT Light" panose="0204060206030A020304" pitchFamily="18" charset="0"/>
-                <a:ea typeface="DengXian"/>
-                <a:cs typeface="DaunPenh" panose="01010101010101010101" pitchFamily="2" charset="0"/>
-              </a:rPr>
-              <a:t>Group I</a:t>
+              <a:t>By Group I</a:t>
             </a:r>
             <a:endParaRPr lang="en-US" sz="1100" b="1" dirty="0">
               <a:effectLst/>
@@ -11290,7 +11254,7 @@
               </a:spcAft>
             </a:pPr>
             <a:r>
-              <a:rPr lang="en-US" sz="1400" b="1" dirty="0" smtClean="0">
+              <a:rPr lang="en-US" sz="1400" b="1" dirty="0">
                 <a:effectLst/>
                 <a:latin typeface="Footlight MT Light" panose="0204060206030A020304" pitchFamily="18" charset="0"/>
                 <a:ea typeface="DengXian"/>
@@ -11299,22 +11263,13 @@
               <a:t>Years</a:t>
             </a:r>
             <a:r>
-              <a:rPr lang="en-US" sz="1400" dirty="0" smtClean="0">
-                <a:effectLst/>
-                <a:latin typeface="Footlight MT Light" panose="0204060206030A020304" pitchFamily="18" charset="0"/>
-                <a:ea typeface="DengXian"/>
-                <a:cs typeface="DaunPenh" panose="01010101010101010101" pitchFamily="2" charset="0"/>
-              </a:rPr>
-              <a:t>        </a:t>
-            </a:r>
-            <a:r>
               <a:rPr lang="en-US" sz="1400" dirty="0">
                 <a:effectLst/>
                 <a:latin typeface="Footlight MT Light" panose="0204060206030A020304" pitchFamily="18" charset="0"/>
                 <a:ea typeface="DengXian"/>
                 <a:cs typeface="DaunPenh" panose="01010101010101010101" pitchFamily="2" charset="0"/>
               </a:rPr>
-              <a:t>: III</a:t>
+              <a:t>        : III</a:t>
             </a:r>
             <a:endParaRPr lang="en-US" sz="1100" dirty="0">
               <a:effectLst/>
@@ -11404,13 +11359,6 @@
   <p:clrMapOvr>
     <a:masterClrMapping/>
   </p:clrMapOvr>
-  <p:timing>
-    <p:tnLst>
-      <p:par>
-        <p:cTn id="1" dur="indefinite" restart="never" nodeType="tmRoot"/>
-      </p:par>
-    </p:tnLst>
-  </p:timing>
 </p:sld>
 </file>
 
@@ -11887,21 +11835,8 @@
                   <a:srgbClr val="002060"/>
                 </a:solidFill>
               </a:rPr>
-              <a:t>b. </a:t>
+              <a:t>b. Prototype (Frontend)</a:t>
             </a:r>
-            <a:r>
-              <a:rPr lang="en-US" sz="2400" dirty="0" smtClean="0">
-                <a:solidFill>
-                  <a:srgbClr val="002060"/>
-                </a:solidFill>
-              </a:rPr>
-              <a:t>Prototype (Frontend)</a:t>
-            </a:r>
-            <a:endParaRPr lang="en-US" sz="2400" dirty="0">
-              <a:solidFill>
-                <a:srgbClr val="002060"/>
-              </a:solidFill>
-            </a:endParaRPr>
           </a:p>
         </p:txBody>
       </p:sp>
@@ -11940,7 +11875,7 @@
               <a:buNone/>
             </a:pPr>
             <a:r>
-              <a:rPr lang="en-US" sz="2400" b="1" dirty="0" smtClean="0">
+              <a:rPr lang="en-US" sz="2400" b="1" dirty="0">
                 <a:solidFill>
                   <a:schemeClr val="accent2">
                     <a:lumMod val="75000"/>
@@ -12501,21 +12436,8 @@
                   <a:srgbClr val="002060"/>
                 </a:solidFill>
               </a:rPr>
-              <a:t>b. </a:t>
+              <a:t>b. Prototype (Frontend)</a:t>
             </a:r>
-            <a:r>
-              <a:rPr lang="en-US" sz="2400" dirty="0" smtClean="0">
-                <a:solidFill>
-                  <a:srgbClr val="002060"/>
-                </a:solidFill>
-              </a:rPr>
-              <a:t>Prototype (Frontend)</a:t>
-            </a:r>
-            <a:endParaRPr lang="en-US" sz="2400" dirty="0">
-              <a:solidFill>
-                <a:srgbClr val="002060"/>
-              </a:solidFill>
-            </a:endParaRPr>
           </a:p>
         </p:txBody>
       </p:sp>
@@ -12554,7 +12476,7 @@
               <a:buNone/>
             </a:pPr>
             <a:r>
-              <a:rPr lang="en-US" sz="2400" b="1" dirty="0" smtClean="0">
+              <a:rPr lang="en-US" sz="2400" b="1" dirty="0">
                 <a:solidFill>
                   <a:schemeClr val="accent2">
                     <a:lumMod val="75000"/>
@@ -13103,21 +13025,8 @@
                   <a:srgbClr val="002060"/>
                 </a:solidFill>
               </a:rPr>
-              <a:t>b. </a:t>
+              <a:t>b. Prototype (Frontend)</a:t>
             </a:r>
-            <a:r>
-              <a:rPr lang="en-US" sz="2400" dirty="0" smtClean="0">
-                <a:solidFill>
-                  <a:srgbClr val="002060"/>
-                </a:solidFill>
-              </a:rPr>
-              <a:t>Prototype (Frontend)</a:t>
-            </a:r>
-            <a:endParaRPr lang="en-US" sz="2400" dirty="0">
-              <a:solidFill>
-                <a:srgbClr val="002060"/>
-              </a:solidFill>
-            </a:endParaRPr>
           </a:p>
         </p:txBody>
       </p:sp>
@@ -13156,7 +13065,7 @@
               <a:buNone/>
             </a:pPr>
             <a:r>
-              <a:rPr lang="en-US" sz="2400" b="1" dirty="0" smtClean="0">
+              <a:rPr lang="en-US" sz="2400" b="1" dirty="0">
                 <a:solidFill>
                   <a:schemeClr val="accent2">
                     <a:lumMod val="75000"/>
@@ -13415,18 +13324,13 @@
           </a:lstStyle>
           <a:p>
             <a:r>
-              <a:rPr lang="en-US" sz="1400" b="0" dirty="0" smtClean="0">
+              <a:rPr lang="en-US" sz="1400" b="0" dirty="0">
                 <a:solidFill>
                   <a:srgbClr val="002060"/>
                 </a:solidFill>
               </a:rPr>
               <a:t>Register Form: Register new account to login.</a:t>
             </a:r>
-            <a:endParaRPr lang="en-US" sz="1400" b="0" dirty="0">
-              <a:solidFill>
-                <a:srgbClr val="002060"/>
-              </a:solidFill>
-            </a:endParaRPr>
           </a:p>
         </p:txBody>
       </p:sp>
@@ -13916,21 +13820,8 @@
                   <a:srgbClr val="002060"/>
                 </a:solidFill>
               </a:rPr>
-              <a:t>b. </a:t>
+              <a:t>b. Prototype (Frontend)</a:t>
             </a:r>
-            <a:r>
-              <a:rPr lang="en-US" sz="2400" dirty="0" smtClean="0">
-                <a:solidFill>
-                  <a:srgbClr val="002060"/>
-                </a:solidFill>
-              </a:rPr>
-              <a:t>Prototype (Frontend)</a:t>
-            </a:r>
-            <a:endParaRPr lang="en-US" sz="2400" dirty="0">
-              <a:solidFill>
-                <a:srgbClr val="002060"/>
-              </a:solidFill>
-            </a:endParaRPr>
           </a:p>
         </p:txBody>
       </p:sp>
@@ -13969,7 +13860,7 @@
               <a:buNone/>
             </a:pPr>
             <a:r>
-              <a:rPr lang="en-US" sz="2400" b="1" dirty="0" smtClean="0">
+              <a:rPr lang="en-US" sz="2400" b="1" dirty="0">
                 <a:solidFill>
                   <a:schemeClr val="accent2">
                     <a:lumMod val="75000"/>
@@ -14234,18 +14125,13 @@
           </a:lstStyle>
           <a:p>
             <a:r>
-              <a:rPr lang="en-US" sz="1400" b="0" dirty="0" smtClean="0">
+              <a:rPr lang="en-US" sz="1400" b="0" dirty="0">
                 <a:solidFill>
                   <a:srgbClr val="002060"/>
                 </a:solidFill>
               </a:rPr>
               <a:t>Login Form: You need to have Email and password by register to login to backend then you can post your promotion ads.</a:t>
             </a:r>
-            <a:endParaRPr lang="en-US" sz="1400" b="0" dirty="0">
-              <a:solidFill>
-                <a:srgbClr val="002060"/>
-              </a:solidFill>
-            </a:endParaRPr>
           </a:p>
         </p:txBody>
       </p:sp>
@@ -14735,21 +14621,8 @@
                   <a:srgbClr val="002060"/>
                 </a:solidFill>
               </a:rPr>
-              <a:t>b. </a:t>
+              <a:t>b. Prototype (Frontend)</a:t>
             </a:r>
-            <a:r>
-              <a:rPr lang="en-US" sz="2400" dirty="0" smtClean="0">
-                <a:solidFill>
-                  <a:srgbClr val="002060"/>
-                </a:solidFill>
-              </a:rPr>
-              <a:t>Prototype (Frontend)</a:t>
-            </a:r>
-            <a:endParaRPr lang="en-US" sz="2400" dirty="0">
-              <a:solidFill>
-                <a:srgbClr val="002060"/>
-              </a:solidFill>
-            </a:endParaRPr>
           </a:p>
         </p:txBody>
       </p:sp>
@@ -14788,7 +14661,7 @@
               <a:buNone/>
             </a:pPr>
             <a:r>
-              <a:rPr lang="en-US" sz="2400" b="1" dirty="0" smtClean="0">
+              <a:rPr lang="en-US" sz="2400" b="1" dirty="0">
                 <a:solidFill>
                   <a:schemeClr val="accent2">
                     <a:lumMod val="75000"/>
@@ -15053,18 +14926,13 @@
           </a:lstStyle>
           <a:p>
             <a:r>
-              <a:rPr lang="en-US" sz="1400" b="0" dirty="0" smtClean="0">
+              <a:rPr lang="en-US" sz="1400" b="0" dirty="0">
                 <a:solidFill>
                   <a:srgbClr val="002060"/>
                 </a:solidFill>
               </a:rPr>
               <a:t>About is you will see our future goal and our team members.</a:t>
             </a:r>
-            <a:endParaRPr lang="en-US" sz="1400" b="0" dirty="0">
-              <a:solidFill>
-                <a:srgbClr val="002060"/>
-              </a:solidFill>
-            </a:endParaRPr>
           </a:p>
         </p:txBody>
       </p:sp>
@@ -15554,21 +15422,8 @@
                   <a:srgbClr val="002060"/>
                 </a:solidFill>
               </a:rPr>
-              <a:t>b. </a:t>
+              <a:t>b. Prototype (Frontend)</a:t>
             </a:r>
-            <a:r>
-              <a:rPr lang="en-US" sz="2400" dirty="0" smtClean="0">
-                <a:solidFill>
-                  <a:srgbClr val="002060"/>
-                </a:solidFill>
-              </a:rPr>
-              <a:t>Prototype (Frontend)</a:t>
-            </a:r>
-            <a:endParaRPr lang="en-US" sz="2400" dirty="0">
-              <a:solidFill>
-                <a:srgbClr val="002060"/>
-              </a:solidFill>
-            </a:endParaRPr>
           </a:p>
         </p:txBody>
       </p:sp>
@@ -15607,7 +15462,7 @@
               <a:buNone/>
             </a:pPr>
             <a:r>
-              <a:rPr lang="en-US" sz="2400" b="1" dirty="0" smtClean="0">
+              <a:rPr lang="en-US" sz="2400" b="1" dirty="0">
                 <a:solidFill>
                   <a:schemeClr val="accent2">
                     <a:lumMod val="75000"/>
@@ -15900,18 +15755,13 @@
           </a:lstStyle>
           <a:p>
             <a:r>
-              <a:rPr lang="en-US" sz="1400" b="0" dirty="0" smtClean="0">
+              <a:rPr lang="en-US" sz="1400" b="0" dirty="0">
                 <a:solidFill>
                   <a:srgbClr val="002060"/>
                 </a:solidFill>
               </a:rPr>
               <a:t>Contact Us is where you can send us message and contact us over the social media and Phone</a:t>
             </a:r>
-            <a:endParaRPr lang="en-US" sz="1400" b="0" dirty="0">
-              <a:solidFill>
-                <a:srgbClr val="002060"/>
-              </a:solidFill>
-            </a:endParaRPr>
           </a:p>
         </p:txBody>
       </p:sp>
@@ -16401,21 +16251,8 @@
                   <a:srgbClr val="002060"/>
                 </a:solidFill>
               </a:rPr>
-              <a:t>b. </a:t>
+              <a:t>b. Prototype (Backend)</a:t>
             </a:r>
-            <a:r>
-              <a:rPr lang="en-US" sz="2400" dirty="0" smtClean="0">
-                <a:solidFill>
-                  <a:srgbClr val="002060"/>
-                </a:solidFill>
-              </a:rPr>
-              <a:t>Prototype (Backend)</a:t>
-            </a:r>
-            <a:endParaRPr lang="en-US" sz="2400" dirty="0">
-              <a:solidFill>
-                <a:srgbClr val="002060"/>
-              </a:solidFill>
-            </a:endParaRPr>
           </a:p>
         </p:txBody>
       </p:sp>
@@ -16454,7 +16291,7 @@
               <a:buNone/>
             </a:pPr>
             <a:r>
-              <a:rPr lang="en-US" sz="2400" b="1" dirty="0" smtClean="0">
+              <a:rPr lang="en-US" sz="2400" b="1" dirty="0">
                 <a:solidFill>
                   <a:schemeClr val="accent2">
                     <a:lumMod val="75000"/>
@@ -16987,21 +16824,8 @@
                   <a:srgbClr val="002060"/>
                 </a:solidFill>
               </a:rPr>
-              <a:t>b. </a:t>
+              <a:t>b. Prototype (Backend)</a:t>
             </a:r>
-            <a:r>
-              <a:rPr lang="en-US" sz="2400" dirty="0" smtClean="0">
-                <a:solidFill>
-                  <a:srgbClr val="002060"/>
-                </a:solidFill>
-              </a:rPr>
-              <a:t>Prototype (Backend)</a:t>
-            </a:r>
-            <a:endParaRPr lang="en-US" sz="2400" dirty="0">
-              <a:solidFill>
-                <a:srgbClr val="002060"/>
-              </a:solidFill>
-            </a:endParaRPr>
           </a:p>
         </p:txBody>
       </p:sp>
@@ -17040,7 +16864,7 @@
               <a:buNone/>
             </a:pPr>
             <a:r>
-              <a:rPr lang="en-US" sz="2400" b="1" dirty="0" smtClean="0">
+              <a:rPr lang="en-US" sz="2400" b="1" dirty="0">
                 <a:solidFill>
                   <a:schemeClr val="accent2">
                     <a:lumMod val="75000"/>
@@ -17305,7 +17129,7 @@
           </a:lstStyle>
           <a:p>
             <a:r>
-              <a:rPr lang="en-US" sz="1400" b="0" dirty="0" smtClean="0">
+              <a:rPr lang="en-US" sz="1400" b="0" dirty="0">
                 <a:solidFill>
                   <a:srgbClr val="002060"/>
                 </a:solidFill>
@@ -17315,18 +17139,13 @@
           </a:p>
           <a:p>
             <a:r>
-              <a:rPr lang="en-US" sz="1400" b="0" dirty="0" smtClean="0">
+              <a:rPr lang="en-US" sz="1400" b="0" dirty="0">
                 <a:solidFill>
                   <a:srgbClr val="002060"/>
                 </a:solidFill>
               </a:rPr>
               <a:t>- We can add, update, delete, and view </a:t>
             </a:r>
-            <a:endParaRPr lang="en-US" sz="1400" b="0" dirty="0">
-              <a:solidFill>
-                <a:srgbClr val="002060"/>
-              </a:solidFill>
-            </a:endParaRPr>
           </a:p>
         </p:txBody>
       </p:sp>
@@ -17816,21 +17635,8 @@
                   <a:srgbClr val="002060"/>
                 </a:solidFill>
               </a:rPr>
-              <a:t>b. </a:t>
+              <a:t>b. Prototype (Backend)</a:t>
             </a:r>
-            <a:r>
-              <a:rPr lang="en-US" sz="2400" dirty="0" smtClean="0">
-                <a:solidFill>
-                  <a:srgbClr val="002060"/>
-                </a:solidFill>
-              </a:rPr>
-              <a:t>Prototype (Backend)</a:t>
-            </a:r>
-            <a:endParaRPr lang="en-US" sz="2400" dirty="0">
-              <a:solidFill>
-                <a:srgbClr val="002060"/>
-              </a:solidFill>
-            </a:endParaRPr>
           </a:p>
         </p:txBody>
       </p:sp>
@@ -17869,7 +17675,7 @@
               <a:buNone/>
             </a:pPr>
             <a:r>
-              <a:rPr lang="en-US" sz="2400" b="1" dirty="0" smtClean="0">
+              <a:rPr lang="en-US" sz="2400" b="1" dirty="0">
                 <a:solidFill>
                   <a:schemeClr val="accent2">
                     <a:lumMod val="75000"/>
@@ -18527,21 +18333,8 @@
                   <a:srgbClr val="002060"/>
                 </a:solidFill>
               </a:rPr>
-              <a:t>b. </a:t>
+              <a:t>b. Prototype (Backend)</a:t>
             </a:r>
-            <a:r>
-              <a:rPr lang="en-US" sz="2400" dirty="0" smtClean="0">
-                <a:solidFill>
-                  <a:srgbClr val="002060"/>
-                </a:solidFill>
-              </a:rPr>
-              <a:t>Prototype (Backend)</a:t>
-            </a:r>
-            <a:endParaRPr lang="en-US" sz="2400" dirty="0">
-              <a:solidFill>
-                <a:srgbClr val="002060"/>
-              </a:solidFill>
-            </a:endParaRPr>
           </a:p>
         </p:txBody>
       </p:sp>
@@ -18580,7 +18373,7 @@
               <a:buNone/>
             </a:pPr>
             <a:r>
-              <a:rPr lang="en-US" sz="2400" b="1" dirty="0" smtClean="0">
+              <a:rPr lang="en-US" sz="2400" b="1" dirty="0">
                 <a:solidFill>
                   <a:schemeClr val="accent2">
                     <a:lumMod val="75000"/>
@@ -18886,18 +18679,13 @@
           </a:lstStyle>
           <a:p>
             <a:r>
-              <a:rPr lang="en-US" sz="1400" b="0" dirty="0" smtClean="0">
+              <a:rPr lang="en-US" sz="1400" b="0" dirty="0">
                 <a:solidFill>
                   <a:srgbClr val="002060"/>
                 </a:solidFill>
               </a:rPr>
               <a:t>We can view in specific promotion product.</a:t>
             </a:r>
-            <a:endParaRPr lang="en-US" sz="1400" b="0" dirty="0">
-              <a:solidFill>
-                <a:srgbClr val="002060"/>
-              </a:solidFill>
-            </a:endParaRPr>
           </a:p>
         </p:txBody>
       </p:sp>
@@ -19489,13 +19277,6 @@
   <p:clrMapOvr>
     <a:masterClrMapping/>
   </p:clrMapOvr>
-  <p:timing>
-    <p:tnLst>
-      <p:par>
-        <p:cTn id="1" dur="indefinite" restart="never" nodeType="tmRoot"/>
-      </p:par>
-    </p:tnLst>
-  </p:timing>
 </p:sld>
 </file>
 
@@ -19972,21 +19753,8 @@
                   <a:srgbClr val="002060"/>
                 </a:solidFill>
               </a:rPr>
-              <a:t>b. </a:t>
+              <a:t>b. Prototype (Backend)</a:t>
             </a:r>
-            <a:r>
-              <a:rPr lang="en-US" sz="2400" dirty="0" smtClean="0">
-                <a:solidFill>
-                  <a:srgbClr val="002060"/>
-                </a:solidFill>
-              </a:rPr>
-              <a:t>Prototype (Backend)</a:t>
-            </a:r>
-            <a:endParaRPr lang="en-US" sz="2400" dirty="0">
-              <a:solidFill>
-                <a:srgbClr val="002060"/>
-              </a:solidFill>
-            </a:endParaRPr>
           </a:p>
         </p:txBody>
       </p:sp>
@@ -20025,7 +19793,7 @@
               <a:buNone/>
             </a:pPr>
             <a:r>
-              <a:rPr lang="en-US" sz="2400" b="1" dirty="0" smtClean="0">
+              <a:rPr lang="en-US" sz="2400" b="1" dirty="0">
                 <a:solidFill>
                   <a:schemeClr val="accent2">
                     <a:lumMod val="75000"/>
@@ -20387,7 +20155,7 @@
           </a:lstStyle>
           <a:p>
             <a:r>
-              <a:rPr lang="en-US" sz="1400" b="0" dirty="0" smtClean="0">
+              <a:rPr lang="en-US" sz="1400" b="0" dirty="0">
                 <a:solidFill>
                   <a:srgbClr val="002060"/>
                 </a:solidFill>
@@ -20397,7 +20165,7 @@
           </a:p>
           <a:p>
             <a:r>
-              <a:rPr lang="en-US" sz="1400" b="0" dirty="0" smtClean="0">
+              <a:rPr lang="en-US" sz="1400" b="0" dirty="0">
                 <a:solidFill>
                   <a:srgbClr val="002060"/>
                 </a:solidFill>
@@ -20407,18 +20175,13 @@
           </a:p>
           <a:p>
             <a:r>
-              <a:rPr lang="en-US" sz="1400" b="0" dirty="0" smtClean="0">
+              <a:rPr lang="en-US" sz="1400" b="0" dirty="0">
                 <a:solidFill>
                   <a:srgbClr val="002060"/>
                 </a:solidFill>
               </a:rPr>
               <a:t>- We can add, update and delete</a:t>
             </a:r>
-            <a:endParaRPr lang="en-US" sz="1400" b="0" dirty="0">
-              <a:solidFill>
-                <a:srgbClr val="002060"/>
-              </a:solidFill>
-            </a:endParaRPr>
           </a:p>
         </p:txBody>
       </p:sp>
@@ -20908,21 +20671,8 @@
                   <a:srgbClr val="002060"/>
                 </a:solidFill>
               </a:rPr>
-              <a:t>b. </a:t>
+              <a:t>b. Prototype (Backend)</a:t>
             </a:r>
-            <a:r>
-              <a:rPr lang="en-US" sz="2400" dirty="0" smtClean="0">
-                <a:solidFill>
-                  <a:srgbClr val="002060"/>
-                </a:solidFill>
-              </a:rPr>
-              <a:t>Prototype (Backend)</a:t>
-            </a:r>
-            <a:endParaRPr lang="en-US" sz="2400" dirty="0">
-              <a:solidFill>
-                <a:srgbClr val="002060"/>
-              </a:solidFill>
-            </a:endParaRPr>
           </a:p>
         </p:txBody>
       </p:sp>
@@ -20961,7 +20711,7 @@
               <a:buNone/>
             </a:pPr>
             <a:r>
-              <a:rPr lang="en-US" sz="2400" b="1" dirty="0" smtClean="0">
+              <a:rPr lang="en-US" sz="2400" b="1" dirty="0">
                 <a:solidFill>
                   <a:schemeClr val="accent2">
                     <a:lumMod val="75000"/>
@@ -21323,7 +21073,7 @@
           </a:lstStyle>
           <a:p>
             <a:r>
-              <a:rPr lang="en-US" sz="1400" b="0" dirty="0" smtClean="0">
+              <a:rPr lang="en-US" sz="1400" b="0" dirty="0">
                 <a:solidFill>
                   <a:srgbClr val="002060"/>
                 </a:solidFill>
@@ -21333,7 +21083,7 @@
           </a:p>
           <a:p>
             <a:r>
-              <a:rPr lang="en-US" sz="1400" b="0" dirty="0" smtClean="0">
+              <a:rPr lang="en-US" sz="1400" b="0" dirty="0">
                 <a:solidFill>
                   <a:srgbClr val="002060"/>
                 </a:solidFill>
@@ -21343,18 +21093,13 @@
           </a:p>
           <a:p>
             <a:r>
-              <a:rPr lang="en-US" sz="1400" b="0" dirty="0" smtClean="0">
+              <a:rPr lang="en-US" sz="1400" b="0" dirty="0">
                 <a:solidFill>
                   <a:srgbClr val="002060"/>
                 </a:solidFill>
               </a:rPr>
               <a:t>- We can add, update and delete</a:t>
             </a:r>
-            <a:endParaRPr lang="en-US" sz="1400" b="0" dirty="0">
-              <a:solidFill>
-                <a:srgbClr val="002060"/>
-              </a:solidFill>
-            </a:endParaRPr>
           </a:p>
         </p:txBody>
       </p:sp>
@@ -21844,21 +21589,8 @@
                   <a:srgbClr val="002060"/>
                 </a:solidFill>
               </a:rPr>
-              <a:t>b. </a:t>
+              <a:t>b. Prototype (Backend)</a:t>
             </a:r>
-            <a:r>
-              <a:rPr lang="en-US" sz="2400" dirty="0" smtClean="0">
-                <a:solidFill>
-                  <a:srgbClr val="002060"/>
-                </a:solidFill>
-              </a:rPr>
-              <a:t>Prototype (Backend)</a:t>
-            </a:r>
-            <a:endParaRPr lang="en-US" sz="2400" dirty="0">
-              <a:solidFill>
-                <a:srgbClr val="002060"/>
-              </a:solidFill>
-            </a:endParaRPr>
           </a:p>
         </p:txBody>
       </p:sp>
@@ -21897,7 +21629,7 @@
               <a:buNone/>
             </a:pPr>
             <a:r>
-              <a:rPr lang="en-US" sz="2400" b="1" dirty="0" smtClean="0">
+              <a:rPr lang="en-US" sz="2400" b="1" dirty="0">
                 <a:solidFill>
                   <a:schemeClr val="accent2">
                     <a:lumMod val="75000"/>
@@ -22259,7 +21991,7 @@
           </a:lstStyle>
           <a:p>
             <a:r>
-              <a:rPr lang="en-US" sz="1400" b="0" dirty="0" smtClean="0">
+              <a:rPr lang="en-US" sz="1400" b="0" dirty="0">
                 <a:solidFill>
                   <a:srgbClr val="002060"/>
                 </a:solidFill>
@@ -22269,7 +22001,7 @@
           </a:p>
           <a:p>
             <a:r>
-              <a:rPr lang="en-US" sz="1400" b="0" dirty="0" smtClean="0">
+              <a:rPr lang="en-US" sz="1400" b="0" dirty="0">
                 <a:solidFill>
                   <a:srgbClr val="002060"/>
                 </a:solidFill>
@@ -22279,18 +22011,13 @@
           </a:p>
           <a:p>
             <a:r>
-              <a:rPr lang="en-US" sz="1400" b="0" dirty="0" smtClean="0">
+              <a:rPr lang="en-US" sz="1400" b="0" dirty="0">
                 <a:solidFill>
                   <a:srgbClr val="002060"/>
                 </a:solidFill>
               </a:rPr>
               <a:t>- We can add, update and delete</a:t>
             </a:r>
-            <a:endParaRPr lang="en-US" sz="1400" b="0" dirty="0">
-              <a:solidFill>
-                <a:srgbClr val="002060"/>
-              </a:solidFill>
-            </a:endParaRPr>
           </a:p>
         </p:txBody>
       </p:sp>
@@ -22780,21 +22507,8 @@
                   <a:srgbClr val="002060"/>
                 </a:solidFill>
               </a:rPr>
-              <a:t>b. </a:t>
+              <a:t>b. Prototype (Backend)</a:t>
             </a:r>
-            <a:r>
-              <a:rPr lang="en-US" sz="2400" dirty="0" smtClean="0">
-                <a:solidFill>
-                  <a:srgbClr val="002060"/>
-                </a:solidFill>
-              </a:rPr>
-              <a:t>Prototype (Backend)</a:t>
-            </a:r>
-            <a:endParaRPr lang="en-US" sz="2400" dirty="0">
-              <a:solidFill>
-                <a:srgbClr val="002060"/>
-              </a:solidFill>
-            </a:endParaRPr>
           </a:p>
         </p:txBody>
       </p:sp>
@@ -22833,7 +22547,7 @@
               <a:buNone/>
             </a:pPr>
             <a:r>
-              <a:rPr lang="en-US" sz="2400" b="1" dirty="0" smtClean="0">
+              <a:rPr lang="en-US" sz="2400" b="1" dirty="0">
                 <a:solidFill>
                   <a:schemeClr val="accent2">
                     <a:lumMod val="75000"/>
@@ -23195,7 +22909,7 @@
           </a:lstStyle>
           <a:p>
             <a:r>
-              <a:rPr lang="en-US" sz="1400" b="0" dirty="0" smtClean="0">
+              <a:rPr lang="en-US" sz="1400" b="0" dirty="0">
                 <a:solidFill>
                   <a:srgbClr val="002060"/>
                 </a:solidFill>
@@ -23205,7 +22919,7 @@
           </a:p>
           <a:p>
             <a:r>
-              <a:rPr lang="en-US" sz="1400" b="0" dirty="0" smtClean="0">
+              <a:rPr lang="en-US" sz="1400" b="0" dirty="0">
                 <a:solidFill>
                   <a:srgbClr val="002060"/>
                 </a:solidFill>
@@ -23215,18 +22929,13 @@
           </a:p>
           <a:p>
             <a:r>
-              <a:rPr lang="en-US" sz="1400" b="0" dirty="0" smtClean="0">
+              <a:rPr lang="en-US" sz="1400" b="0" dirty="0">
                 <a:solidFill>
                   <a:srgbClr val="002060"/>
                 </a:solidFill>
               </a:rPr>
               <a:t>- We can add, update and delete</a:t>
             </a:r>
-            <a:endParaRPr lang="en-US" sz="1400" b="0" dirty="0">
-              <a:solidFill>
-                <a:srgbClr val="002060"/>
-              </a:solidFill>
-            </a:endParaRPr>
           </a:p>
         </p:txBody>
       </p:sp>
@@ -23716,21 +23425,8 @@
                   <a:srgbClr val="002060"/>
                 </a:solidFill>
               </a:rPr>
-              <a:t>b. </a:t>
+              <a:t>b. Prototype (Backend)</a:t>
             </a:r>
-            <a:r>
-              <a:rPr lang="en-US" sz="2400" dirty="0" smtClean="0">
-                <a:solidFill>
-                  <a:srgbClr val="002060"/>
-                </a:solidFill>
-              </a:rPr>
-              <a:t>Prototype (Backend)</a:t>
-            </a:r>
-            <a:endParaRPr lang="en-US" sz="2400" dirty="0">
-              <a:solidFill>
-                <a:srgbClr val="002060"/>
-              </a:solidFill>
-            </a:endParaRPr>
           </a:p>
         </p:txBody>
       </p:sp>
@@ -23769,7 +23465,7 @@
               <a:buNone/>
             </a:pPr>
             <a:r>
-              <a:rPr lang="en-US" sz="2400" b="1" dirty="0" smtClean="0">
+              <a:rPr lang="en-US" sz="2400" b="1" dirty="0">
                 <a:solidFill>
                   <a:schemeClr val="accent2">
                     <a:lumMod val="75000"/>
@@ -24075,7 +23771,7 @@
           </a:lstStyle>
           <a:p>
             <a:r>
-              <a:rPr lang="en-US" sz="1400" b="0" dirty="0" smtClean="0">
+              <a:rPr lang="en-US" sz="1400" b="0" dirty="0">
                 <a:solidFill>
                   <a:srgbClr val="002060"/>
                 </a:solidFill>
@@ -24085,18 +23781,13 @@
           </a:p>
           <a:p>
             <a:r>
-              <a:rPr lang="en-US" sz="1400" b="0" dirty="0" smtClean="0">
+              <a:rPr lang="en-US" sz="1400" b="0" dirty="0">
                 <a:solidFill>
                   <a:srgbClr val="002060"/>
                 </a:solidFill>
               </a:rPr>
               <a:t>- We can only view list of users</a:t>
             </a:r>
-            <a:endParaRPr lang="en-US" sz="1400" b="0" dirty="0">
-              <a:solidFill>
-                <a:srgbClr val="002060"/>
-              </a:solidFill>
-            </a:endParaRPr>
           </a:p>
         </p:txBody>
       </p:sp>
@@ -24586,21 +24277,8 @@
                   <a:srgbClr val="002060"/>
                 </a:solidFill>
               </a:rPr>
-              <a:t>b. </a:t>
+              <a:t>b. Prototype (Backend)</a:t>
             </a:r>
-            <a:r>
-              <a:rPr lang="en-US" sz="2400" dirty="0" smtClean="0">
-                <a:solidFill>
-                  <a:srgbClr val="002060"/>
-                </a:solidFill>
-              </a:rPr>
-              <a:t>Prototype (Backend)</a:t>
-            </a:r>
-            <a:endParaRPr lang="en-US" sz="2400" dirty="0">
-              <a:solidFill>
-                <a:srgbClr val="002060"/>
-              </a:solidFill>
-            </a:endParaRPr>
           </a:p>
         </p:txBody>
       </p:sp>
@@ -24903,7 +24581,7 @@
               <a:buNone/>
             </a:pPr>
             <a:r>
-              <a:rPr lang="en-US" sz="2400" b="1" dirty="0" smtClean="0">
+              <a:rPr lang="en-US" sz="2400" b="1" dirty="0">
                 <a:solidFill>
                   <a:schemeClr val="accent2">
                     <a:lumMod val="75000"/>
@@ -24912,13 +24590,6 @@
               </a:rPr>
               <a:t>View lists, Add, and Update Category</a:t>
             </a:r>
-            <a:endParaRPr lang="en-US" sz="2400" b="1" dirty="0">
-              <a:solidFill>
-                <a:schemeClr val="accent2">
-                  <a:lumMod val="75000"/>
-                </a:schemeClr>
-              </a:solidFill>
-            </a:endParaRPr>
           </a:p>
         </p:txBody>
       </p:sp>
@@ -25224,7 +24895,7 @@
           </a:lstStyle>
           <a:p>
             <a:r>
-              <a:rPr lang="en-US" sz="1400" b="0" dirty="0" smtClean="0">
+              <a:rPr lang="en-US" sz="1400" b="0" dirty="0">
                 <a:solidFill>
                   <a:srgbClr val="002060"/>
                 </a:solidFill>
@@ -25234,7 +24905,7 @@
           </a:p>
           <a:p>
             <a:r>
-              <a:rPr lang="en-US" sz="1400" b="0" dirty="0" smtClean="0">
+              <a:rPr lang="en-US" sz="1400" b="0" dirty="0">
                 <a:solidFill>
                   <a:srgbClr val="002060"/>
                 </a:solidFill>
@@ -25244,18 +24915,13 @@
           </a:p>
           <a:p>
             <a:r>
-              <a:rPr lang="en-US" sz="1400" b="0" dirty="0" smtClean="0">
+              <a:rPr lang="en-US" sz="1400" b="0" dirty="0">
                 <a:solidFill>
                   <a:srgbClr val="002060"/>
                 </a:solidFill>
               </a:rPr>
               <a:t>- We can add, update and delete</a:t>
             </a:r>
-            <a:endParaRPr lang="en-US" sz="1400" b="0" dirty="0">
-              <a:solidFill>
-                <a:srgbClr val="002060"/>
-              </a:solidFill>
-            </a:endParaRPr>
           </a:p>
         </p:txBody>
       </p:sp>
@@ -26042,18 +25708,13 @@
           </a:lstStyle>
           <a:p>
             <a:r>
-              <a:rPr lang="en-US" sz="1600" dirty="0" smtClean="0">
+              <a:rPr lang="en-US" sz="1600" dirty="0">
                 <a:solidFill>
                   <a:srgbClr val="002060"/>
                 </a:solidFill>
               </a:rPr>
               <a:t>We advertise product promotions for companies and seller to customers through our website. Seller easy to promotion their product and buyer easy to find standard product with good price and quality. </a:t>
             </a:r>
-            <a:endParaRPr lang="en-US" sz="1600" dirty="0">
-              <a:solidFill>
-                <a:srgbClr val="002060"/>
-              </a:solidFill>
-            </a:endParaRPr>
           </a:p>
         </p:txBody>
       </p:sp>
@@ -26835,7 +26496,7 @@
               </a:lnSpc>
             </a:pPr>
             <a:r>
-              <a:rPr lang="en-US" sz="1600" dirty="0" smtClean="0">
+              <a:rPr lang="en-US" sz="1600" dirty="0">
                 <a:solidFill>
                   <a:srgbClr val="002060"/>
                 </a:solidFill>
@@ -26850,7 +26511,7 @@
               </a:lnSpc>
             </a:pPr>
             <a:r>
-              <a:rPr lang="en-US" sz="1600" dirty="0" smtClean="0">
+              <a:rPr lang="en-US" sz="1600" dirty="0">
                 <a:solidFill>
                   <a:srgbClr val="002060"/>
                 </a:solidFill>
@@ -26865,28 +26526,12 @@
               </a:lnSpc>
             </a:pPr>
             <a:r>
-              <a:rPr lang="en-US" sz="1600" dirty="0" smtClean="0">
+              <a:rPr lang="en-US" sz="1600" dirty="0">
                 <a:solidFill>
                   <a:srgbClr val="002060"/>
                 </a:solidFill>
               </a:rPr>
-              <a:t>- Some time get </a:t>
-            </a:r>
-            <a:r>
-              <a:rPr lang="en-US" sz="1600" dirty="0" smtClean="0">
-                <a:solidFill>
-                  <a:srgbClr val="002060"/>
-                </a:solidFill>
-              </a:rPr>
-              <a:t>not </a:t>
-            </a:r>
-            <a:r>
-              <a:rPr lang="en-US" sz="1600" dirty="0" smtClean="0">
-                <a:solidFill>
-                  <a:srgbClr val="002060"/>
-                </a:solidFill>
-              </a:rPr>
-              <a:t>standard product</a:t>
+              <a:t>- Some time get not standard product</a:t>
             </a:r>
           </a:p>
           <a:p>
@@ -26896,7 +26541,7 @@
               </a:lnSpc>
             </a:pPr>
             <a:r>
-              <a:rPr lang="en-US" sz="1600" dirty="0" smtClean="0">
+              <a:rPr lang="en-US" sz="1600" dirty="0">
                 <a:solidFill>
                   <a:srgbClr val="002060"/>
                 </a:solidFill>
@@ -27665,21 +27310,8 @@
                   <a:srgbClr val="002060"/>
                 </a:solidFill>
               </a:rPr>
-              <a:t>Building a dynamic web application for all information </a:t>
+              <a:t>Building a dynamic web application for all information management about promotion products from different company to the world.</a:t>
             </a:r>
-            <a:r>
-              <a:rPr lang="en-US" sz="1600" dirty="0" smtClean="0">
-                <a:solidFill>
-                  <a:srgbClr val="002060"/>
-                </a:solidFill>
-              </a:rPr>
-              <a:t>management about promotion products from different company to the world.</a:t>
-            </a:r>
-            <a:endParaRPr lang="en-US" sz="1600" dirty="0">
-              <a:solidFill>
-                <a:srgbClr val="002060"/>
-              </a:solidFill>
-            </a:endParaRPr>
           </a:p>
         </p:txBody>
       </p:sp>
@@ -28836,7 +28468,7 @@
               <a:buChar char="Ø"/>
             </a:pPr>
             <a:r>
-              <a:rPr lang="en-GB" sz="1600" dirty="0" smtClean="0">
+              <a:rPr lang="en-GB" sz="1600" dirty="0">
                 <a:ln w="0"/>
                 <a:solidFill>
                   <a:schemeClr val="accent2">
@@ -28857,25 +28489,6 @@
               </a:rPr>
               <a:t>Frontend</a:t>
             </a:r>
-            <a:endParaRPr lang="en-GB" sz="1600" dirty="0">
-              <a:ln w="0"/>
-              <a:solidFill>
-                <a:schemeClr val="accent2">
-                  <a:lumMod val="75000"/>
-                </a:schemeClr>
-              </a:solidFill>
-              <a:effectLst>
-                <a:outerShdw blurRad="38100" dist="19050" dir="2700000" algn="tl" rotWithShape="0">
-                  <a:schemeClr val="dk1">
-                    <a:alpha val="40000"/>
-                  </a:schemeClr>
-                </a:outerShdw>
-              </a:effectLst>
-              <a:latin typeface="Tahoma"/>
-              <a:ea typeface="Tahoma"/>
-              <a:cs typeface="Tahoma"/>
-              <a:sym typeface="Tahoma"/>
-            </a:endParaRPr>
           </a:p>
           <a:p>
             <a:pPr marL="285750" marR="0" lvl="0" indent="-285750" algn="ctr" rtl="0">
@@ -29575,10 +29188,9 @@
           <a:lstStyle/>
           <a:p>
             <a:r>
-              <a:rPr lang="en-US" dirty="0" smtClean="0"/>
+              <a:rPr lang="en-US" dirty="0"/>
               <a:t>Frontend to view all promotion post by selecting from the backend</a:t>
             </a:r>
-            <a:endParaRPr lang="en-US" dirty="0"/>
           </a:p>
         </p:txBody>
       </p:sp>
@@ -30464,11 +30076,6 @@
               </a:rPr>
               <a:t>In the next future, we will develop more in order to make it broad market, broad view, high rate of purchasing</a:t>
             </a:r>
-            <a:endParaRPr lang="en-US" sz="1600" dirty="0">
-              <a:solidFill>
-                <a:srgbClr val="002060"/>
-              </a:solidFill>
-            </a:endParaRPr>
           </a:p>
         </p:txBody>
       </p:sp>
@@ -30576,7 +30183,7 @@
                   </a:schemeClr>
                 </a:solidFill>
               </a:rPr>
-              <a:t>IDE : Intellij,Navicat</a:t>
+              <a:t>IDE : PhpStorm,VScode</a:t>
             </a:r>
             <a:endParaRPr sz="1800" dirty="0">
               <a:solidFill>
@@ -31632,21 +31239,8 @@
                   <a:srgbClr val="002060"/>
                 </a:solidFill>
               </a:rPr>
-              <a:t>b. </a:t>
+              <a:t>b. Prototype (Frontend)</a:t>
             </a:r>
-            <a:r>
-              <a:rPr lang="en-US" sz="2400" dirty="0" smtClean="0">
-                <a:solidFill>
-                  <a:srgbClr val="002060"/>
-                </a:solidFill>
-              </a:rPr>
-              <a:t>Prototype (Frontend)</a:t>
-            </a:r>
-            <a:endParaRPr lang="en-US" sz="2400" dirty="0">
-              <a:solidFill>
-                <a:srgbClr val="002060"/>
-              </a:solidFill>
-            </a:endParaRPr>
           </a:p>
         </p:txBody>
       </p:sp>
@@ -31685,7 +31279,7 @@
               <a:buNone/>
             </a:pPr>
             <a:r>
-              <a:rPr lang="en-US" sz="2400" b="1" dirty="0" smtClean="0">
+              <a:rPr lang="en-US" sz="2400" b="1" dirty="0">
                 <a:solidFill>
                   <a:schemeClr val="accent2">
                     <a:lumMod val="75000"/>
@@ -31986,18 +31580,13 @@
           </a:lstStyle>
           <a:p>
             <a:r>
-              <a:rPr lang="en-US" sz="1400" b="0" dirty="0" smtClean="0">
+              <a:rPr lang="en-US" sz="1400" b="0" dirty="0">
                 <a:solidFill>
                   <a:srgbClr val="002060"/>
                 </a:solidFill>
               </a:rPr>
               <a:t>Home Page: see all promotion product by category.</a:t>
             </a:r>
-            <a:endParaRPr lang="en-US" sz="1400" b="0" dirty="0">
-              <a:solidFill>
-                <a:srgbClr val="002060"/>
-              </a:solidFill>
-            </a:endParaRPr>
           </a:p>
         </p:txBody>
       </p:sp>
